--- a/public/documents portfolio/Epreuve E4 – Introduction à mon parcours.pptx
+++ b/public/documents portfolio/Epreuve E4 – Introduction à mon parcours.pptx
@@ -5,10 +5,10 @@
     <p:sldMasterId id="2147483658" r:id="rId4"/>
   </p:sldMasterIdLst>
   <p:notesMasterIdLst>
-    <p:notesMasterId r:id="rId20"/>
+    <p:notesMasterId r:id="rId24"/>
   </p:notesMasterIdLst>
   <p:handoutMasterIdLst>
-    <p:handoutMasterId r:id="rId21"/>
+    <p:handoutMasterId r:id="rId25"/>
   </p:handoutMasterIdLst>
   <p:sldIdLst>
     <p:sldId id="410" r:id="rId5"/>
@@ -20,12 +20,16 @@
     <p:sldId id="411" r:id="rId11"/>
     <p:sldId id="413" r:id="rId12"/>
     <p:sldId id="412" r:id="rId13"/>
-    <p:sldId id="406" r:id="rId14"/>
-    <p:sldId id="414" r:id="rId15"/>
-    <p:sldId id="415" r:id="rId16"/>
-    <p:sldId id="416" r:id="rId17"/>
-    <p:sldId id="417" r:id="rId18"/>
-    <p:sldId id="398" r:id="rId19"/>
+    <p:sldId id="419" r:id="rId14"/>
+    <p:sldId id="421" r:id="rId15"/>
+    <p:sldId id="406" r:id="rId16"/>
+    <p:sldId id="414" r:id="rId17"/>
+    <p:sldId id="415" r:id="rId18"/>
+    <p:sldId id="418" r:id="rId19"/>
+    <p:sldId id="416" r:id="rId20"/>
+    <p:sldId id="420" r:id="rId21"/>
+    <p:sldId id="417" r:id="rId22"/>
+    <p:sldId id="398" r:id="rId23"/>
   </p:sldIdLst>
   <p:sldSz cx="12192000" cy="6858000"/>
   <p:notesSz cx="6858000" cy="9144000"/>
@@ -205,7 +209,7 @@
             <a:pPr rtl="0"/>
             <a:fld id="{E7829D4B-412A-499A-8D4F-B904ADB5D0BE}" type="datetime1">
               <a:rPr lang="fr-FR" smtClean="0"/>
-              <a:t>02/04/2025</a:t>
+              <a:t>03/04/2025</a:t>
             </a:fld>
             <a:endParaRPr lang="fr-FR" dirty="0"/>
           </a:p>
@@ -425,7 +429,7 @@
             <a:pPr rtl="0"/>
             <a:fld id="{CCE360E1-1F2F-4ECC-8A8D-37670FD54F5F}" type="datetime1">
               <a:rPr lang="fr-FR" smtClean="0"/>
-              <a:t>02/04/2025</a:t>
+              <a:t>03/04/2025</a:t>
             </a:fld>
             <a:endParaRPr lang="fr-FR" dirty="0"/>
           </a:p>
@@ -803,7 +807,13 @@
   <p:cSld>
     <p:spTree>
       <p:nvGrpSpPr>
-        <p:cNvPr id="1" name=""/>
+        <p:cNvPr id="1" name="">
+          <a:extLst>
+            <a:ext uri="{FF2B5EF4-FFF2-40B4-BE49-F238E27FC236}">
+              <a16:creationId xmlns:a16="http://schemas.microsoft.com/office/drawing/2014/main" id="{95C224B8-0C19-7CBE-0916-FD9E65A46CD6}"/>
+            </a:ext>
+          </a:extLst>
+        </p:cNvPr>
         <p:cNvGrpSpPr/>
         <p:nvPr/>
       </p:nvGrpSpPr>
@@ -817,7 +827,13 @@
       </p:grpSpPr>
       <p:sp>
         <p:nvSpPr>
-          <p:cNvPr id="2" name="Espace réservé de l’image des diapositives 1"/>
+          <p:cNvPr id="2" name="Espace réservé de l’image des diapositives 1">
+            <a:extLst>
+              <a:ext uri="{FF2B5EF4-FFF2-40B4-BE49-F238E27FC236}">
+                <a16:creationId xmlns:a16="http://schemas.microsoft.com/office/drawing/2014/main" id="{7F33412C-1912-D254-B3D0-AC0E48457FEA}"/>
+              </a:ext>
+            </a:extLst>
+          </p:cNvPr>
           <p:cNvSpPr>
             <a:spLocks noGrp="1" noRot="1" noChangeAspect="1"/>
           </p:cNvSpPr>
@@ -829,7 +845,13 @@
       </p:sp>
       <p:sp>
         <p:nvSpPr>
-          <p:cNvPr id="3" name="Espace réservé des commentaires 2"/>
+          <p:cNvPr id="3" name="Espace réservé des commentaires 2">
+            <a:extLst>
+              <a:ext uri="{FF2B5EF4-FFF2-40B4-BE49-F238E27FC236}">
+                <a16:creationId xmlns:a16="http://schemas.microsoft.com/office/drawing/2014/main" id="{AAE576D0-8BBF-15B5-4A44-3ABD88F05309}"/>
+              </a:ext>
+            </a:extLst>
+          </p:cNvPr>
           <p:cNvSpPr>
             <a:spLocks noGrp="1"/>
           </p:cNvSpPr>
@@ -853,7 +875,13 @@
       </p:sp>
       <p:sp>
         <p:nvSpPr>
-          <p:cNvPr id="4" name="Espace réservé du numéro de diapositive 3"/>
+          <p:cNvPr id="4" name="Espace réservé du numéro de diapositive 3">
+            <a:extLst>
+              <a:ext uri="{FF2B5EF4-FFF2-40B4-BE49-F238E27FC236}">
+                <a16:creationId xmlns:a16="http://schemas.microsoft.com/office/drawing/2014/main" id="{AD213342-2797-8D26-58E5-89299457ED3F}"/>
+              </a:ext>
+            </a:extLst>
+          </p:cNvPr>
           <p:cNvSpPr>
             <a:spLocks noGrp="1"/>
           </p:cNvSpPr>
@@ -882,7 +910,7 @@
     </p:spTree>
     <p:extLst>
       <p:ext uri="{BB962C8B-B14F-4D97-AF65-F5344CB8AC3E}">
-        <p14:creationId xmlns:p14="http://schemas.microsoft.com/office/powerpoint/2010/main" val="2994759380"/>
+        <p14:creationId xmlns:p14="http://schemas.microsoft.com/office/powerpoint/2010/main" val="80129177"/>
       </p:ext>
     </p:extLst>
   </p:cSld>
@@ -900,7 +928,7 @@
         <p:cNvPr id="1" name="">
           <a:extLst>
             <a:ext uri="{FF2B5EF4-FFF2-40B4-BE49-F238E27FC236}">
-              <a16:creationId xmlns:a16="http://schemas.microsoft.com/office/drawing/2014/main" id="{357EF84B-AEF2-60C8-C8CF-7F189385EFA9}"/>
+              <a16:creationId xmlns:a16="http://schemas.microsoft.com/office/drawing/2014/main" id="{49755A62-39C4-76D7-7211-A8EA51C51CF0}"/>
             </a:ext>
           </a:extLst>
         </p:cNvPr>
@@ -920,7 +948,7 @@
           <p:cNvPr id="2" name="Espace réservé de l’image des diapositives 1">
             <a:extLst>
               <a:ext uri="{FF2B5EF4-FFF2-40B4-BE49-F238E27FC236}">
-                <a16:creationId xmlns:a16="http://schemas.microsoft.com/office/drawing/2014/main" id="{0D06ED8E-C10E-0661-A388-1F94978695C1}"/>
+                <a16:creationId xmlns:a16="http://schemas.microsoft.com/office/drawing/2014/main" id="{CF614EDC-12E4-2FB9-F5EB-7FBA80F2D517}"/>
               </a:ext>
             </a:extLst>
           </p:cNvPr>
@@ -938,7 +966,7 @@
           <p:cNvPr id="3" name="Espace réservé des commentaires 2">
             <a:extLst>
               <a:ext uri="{FF2B5EF4-FFF2-40B4-BE49-F238E27FC236}">
-                <a16:creationId xmlns:a16="http://schemas.microsoft.com/office/drawing/2014/main" id="{C2600378-F885-FB67-E6CC-672F2BA0EE2C}"/>
+                <a16:creationId xmlns:a16="http://schemas.microsoft.com/office/drawing/2014/main" id="{CF0833AE-9E8F-4916-EC39-E84760B4BCA2}"/>
               </a:ext>
             </a:extLst>
           </p:cNvPr>
@@ -968,7 +996,7 @@
           <p:cNvPr id="4" name="Espace réservé du numéro de diapositive 3">
             <a:extLst>
               <a:ext uri="{FF2B5EF4-FFF2-40B4-BE49-F238E27FC236}">
-                <a16:creationId xmlns:a16="http://schemas.microsoft.com/office/drawing/2014/main" id="{A01AFC73-1D7F-1F3D-E2CC-CFB7D8B65946}"/>
+                <a16:creationId xmlns:a16="http://schemas.microsoft.com/office/drawing/2014/main" id="{5CF0B561-D78C-63EE-7B29-E9E58E034AFD}"/>
               </a:ext>
             </a:extLst>
           </p:cNvPr>
@@ -1000,7 +1028,7 @@
     </p:spTree>
     <p:extLst>
       <p:ext uri="{BB962C8B-B14F-4D97-AF65-F5344CB8AC3E}">
-        <p14:creationId xmlns:p14="http://schemas.microsoft.com/office/powerpoint/2010/main" val="2154070334"/>
+        <p14:creationId xmlns:p14="http://schemas.microsoft.com/office/powerpoint/2010/main" val="2166406609"/>
       </p:ext>
     </p:extLst>
   </p:cSld>
@@ -1011,360 +1039,6 @@
 </file>
 
 <file path=ppt/notesSlides/notesSlide12.xml><?xml version="1.0" encoding="utf-8"?>
-<p:notes xmlns:a="http://schemas.openxmlformats.org/drawingml/2006/main" xmlns:r="http://schemas.openxmlformats.org/officeDocument/2006/relationships" xmlns:p="http://schemas.openxmlformats.org/presentationml/2006/main">
-  <p:cSld>
-    <p:spTree>
-      <p:nvGrpSpPr>
-        <p:cNvPr id="1" name="">
-          <a:extLst>
-            <a:ext uri="{FF2B5EF4-FFF2-40B4-BE49-F238E27FC236}">
-              <a16:creationId xmlns:a16="http://schemas.microsoft.com/office/drawing/2014/main" id="{AE2C3FC5-0D2B-0B76-5206-667995467C81}"/>
-            </a:ext>
-          </a:extLst>
-        </p:cNvPr>
-        <p:cNvGrpSpPr/>
-        <p:nvPr/>
-      </p:nvGrpSpPr>
-      <p:grpSpPr>
-        <a:xfrm>
-          <a:off x="0" y="0"/>
-          <a:ext cx="0" cy="0"/>
-          <a:chOff x="0" y="0"/>
-          <a:chExt cx="0" cy="0"/>
-        </a:xfrm>
-      </p:grpSpPr>
-      <p:sp>
-        <p:nvSpPr>
-          <p:cNvPr id="2" name="Espace réservé de l’image des diapositives 1">
-            <a:extLst>
-              <a:ext uri="{FF2B5EF4-FFF2-40B4-BE49-F238E27FC236}">
-                <a16:creationId xmlns:a16="http://schemas.microsoft.com/office/drawing/2014/main" id="{75ACC7EB-2CBF-2AEE-4ACD-3461AA8D3DBC}"/>
-              </a:ext>
-            </a:extLst>
-          </p:cNvPr>
-          <p:cNvSpPr>
-            <a:spLocks noGrp="1" noRot="1" noChangeAspect="1"/>
-          </p:cNvSpPr>
-          <p:nvPr>
-            <p:ph type="sldImg"/>
-          </p:nvPr>
-        </p:nvSpPr>
-        <p:spPr/>
-      </p:sp>
-      <p:sp>
-        <p:nvSpPr>
-          <p:cNvPr id="3" name="Espace réservé des commentaires 2">
-            <a:extLst>
-              <a:ext uri="{FF2B5EF4-FFF2-40B4-BE49-F238E27FC236}">
-                <a16:creationId xmlns:a16="http://schemas.microsoft.com/office/drawing/2014/main" id="{2D2A8EEF-1688-E103-DC29-928AE68AE6B0}"/>
-              </a:ext>
-            </a:extLst>
-          </p:cNvPr>
-          <p:cNvSpPr>
-            <a:spLocks noGrp="1"/>
-          </p:cNvSpPr>
-          <p:nvPr>
-            <p:ph type="body" idx="1"/>
-          </p:nvPr>
-        </p:nvSpPr>
-        <p:spPr/>
-        <p:txBody>
-          <a:bodyPr rtlCol="0"/>
-          <a:lstStyle>
-            <a:defPPr>
-              <a:defRPr lang="fr-FR"/>
-            </a:defPPr>
-          </a:lstStyle>
-          <a:p>
-            <a:pPr rtl="0"/>
-            <a:endParaRPr lang="fr-FR" dirty="0"/>
-          </a:p>
-        </p:txBody>
-      </p:sp>
-      <p:sp>
-        <p:nvSpPr>
-          <p:cNvPr id="4" name="Espace réservé du numéro de diapositive 3">
-            <a:extLst>
-              <a:ext uri="{FF2B5EF4-FFF2-40B4-BE49-F238E27FC236}">
-                <a16:creationId xmlns:a16="http://schemas.microsoft.com/office/drawing/2014/main" id="{32D80E57-5A51-26D0-A6E8-8AA596A68985}"/>
-              </a:ext>
-            </a:extLst>
-          </p:cNvPr>
-          <p:cNvSpPr>
-            <a:spLocks noGrp="1"/>
-          </p:cNvSpPr>
-          <p:nvPr>
-            <p:ph type="sldNum" sz="quarter" idx="5"/>
-          </p:nvPr>
-        </p:nvSpPr>
-        <p:spPr/>
-        <p:txBody>
-          <a:bodyPr rtlCol="0"/>
-          <a:lstStyle>
-            <a:defPPr>
-              <a:defRPr lang="fr-FR"/>
-            </a:defPPr>
-          </a:lstStyle>
-          <a:p>
-            <a:pPr rtl="0"/>
-            <a:fld id="{A89C7E07-3C67-C64C-8DA0-0404F6303970}" type="slidenum">
-              <a:rPr lang="fr-FR" smtClean="0"/>
-              <a:t>12</a:t>
-            </a:fld>
-            <a:endParaRPr lang="fr-FR" dirty="0"/>
-          </a:p>
-        </p:txBody>
-      </p:sp>
-    </p:spTree>
-    <p:extLst>
-      <p:ext uri="{BB962C8B-B14F-4D97-AF65-F5344CB8AC3E}">
-        <p14:creationId xmlns:p14="http://schemas.microsoft.com/office/powerpoint/2010/main" val="1341182053"/>
-      </p:ext>
-    </p:extLst>
-  </p:cSld>
-  <p:clrMapOvr>
-    <a:masterClrMapping/>
-  </p:clrMapOvr>
-</p:notes>
-</file>
-
-<file path=ppt/notesSlides/notesSlide13.xml><?xml version="1.0" encoding="utf-8"?>
-<p:notes xmlns:a="http://schemas.openxmlformats.org/drawingml/2006/main" xmlns:r="http://schemas.openxmlformats.org/officeDocument/2006/relationships" xmlns:p="http://schemas.openxmlformats.org/presentationml/2006/main">
-  <p:cSld>
-    <p:spTree>
-      <p:nvGrpSpPr>
-        <p:cNvPr id="1" name="">
-          <a:extLst>
-            <a:ext uri="{FF2B5EF4-FFF2-40B4-BE49-F238E27FC236}">
-              <a16:creationId xmlns:a16="http://schemas.microsoft.com/office/drawing/2014/main" id="{526DF26B-4D02-6B1B-2E66-1A93ACB6CFF2}"/>
-            </a:ext>
-          </a:extLst>
-        </p:cNvPr>
-        <p:cNvGrpSpPr/>
-        <p:nvPr/>
-      </p:nvGrpSpPr>
-      <p:grpSpPr>
-        <a:xfrm>
-          <a:off x="0" y="0"/>
-          <a:ext cx="0" cy="0"/>
-          <a:chOff x="0" y="0"/>
-          <a:chExt cx="0" cy="0"/>
-        </a:xfrm>
-      </p:grpSpPr>
-      <p:sp>
-        <p:nvSpPr>
-          <p:cNvPr id="2" name="Espace réservé de l’image des diapositives 1">
-            <a:extLst>
-              <a:ext uri="{FF2B5EF4-FFF2-40B4-BE49-F238E27FC236}">
-                <a16:creationId xmlns:a16="http://schemas.microsoft.com/office/drawing/2014/main" id="{F87A4D0C-A7EC-FF5D-8D78-62C63DE76B30}"/>
-              </a:ext>
-            </a:extLst>
-          </p:cNvPr>
-          <p:cNvSpPr>
-            <a:spLocks noGrp="1" noRot="1" noChangeAspect="1"/>
-          </p:cNvSpPr>
-          <p:nvPr>
-            <p:ph type="sldImg"/>
-          </p:nvPr>
-        </p:nvSpPr>
-        <p:spPr/>
-      </p:sp>
-      <p:sp>
-        <p:nvSpPr>
-          <p:cNvPr id="3" name="Espace réservé des commentaires 2">
-            <a:extLst>
-              <a:ext uri="{FF2B5EF4-FFF2-40B4-BE49-F238E27FC236}">
-                <a16:creationId xmlns:a16="http://schemas.microsoft.com/office/drawing/2014/main" id="{F1E6FFB1-197B-5D14-BB67-DF602DF89C72}"/>
-              </a:ext>
-            </a:extLst>
-          </p:cNvPr>
-          <p:cNvSpPr>
-            <a:spLocks noGrp="1"/>
-          </p:cNvSpPr>
-          <p:nvPr>
-            <p:ph type="body" idx="1"/>
-          </p:nvPr>
-        </p:nvSpPr>
-        <p:spPr/>
-        <p:txBody>
-          <a:bodyPr rtlCol="0"/>
-          <a:lstStyle>
-            <a:defPPr>
-              <a:defRPr lang="fr-FR"/>
-            </a:defPPr>
-          </a:lstStyle>
-          <a:p>
-            <a:pPr rtl="0"/>
-            <a:endParaRPr lang="fr-FR" dirty="0"/>
-          </a:p>
-        </p:txBody>
-      </p:sp>
-      <p:sp>
-        <p:nvSpPr>
-          <p:cNvPr id="4" name="Espace réservé du numéro de diapositive 3">
-            <a:extLst>
-              <a:ext uri="{FF2B5EF4-FFF2-40B4-BE49-F238E27FC236}">
-                <a16:creationId xmlns:a16="http://schemas.microsoft.com/office/drawing/2014/main" id="{86DC8A0F-F7D2-DE86-90F3-00DE76444E12}"/>
-              </a:ext>
-            </a:extLst>
-          </p:cNvPr>
-          <p:cNvSpPr>
-            <a:spLocks noGrp="1"/>
-          </p:cNvSpPr>
-          <p:nvPr>
-            <p:ph type="sldNum" sz="quarter" idx="5"/>
-          </p:nvPr>
-        </p:nvSpPr>
-        <p:spPr/>
-        <p:txBody>
-          <a:bodyPr rtlCol="0"/>
-          <a:lstStyle>
-            <a:defPPr>
-              <a:defRPr lang="fr-FR"/>
-            </a:defPPr>
-          </a:lstStyle>
-          <a:p>
-            <a:pPr rtl="0"/>
-            <a:fld id="{A89C7E07-3C67-C64C-8DA0-0404F6303970}" type="slidenum">
-              <a:rPr lang="fr-FR" smtClean="0"/>
-              <a:t>13</a:t>
-            </a:fld>
-            <a:endParaRPr lang="fr-FR" dirty="0"/>
-          </a:p>
-        </p:txBody>
-      </p:sp>
-    </p:spTree>
-    <p:extLst>
-      <p:ext uri="{BB962C8B-B14F-4D97-AF65-F5344CB8AC3E}">
-        <p14:creationId xmlns:p14="http://schemas.microsoft.com/office/powerpoint/2010/main" val="3339978262"/>
-      </p:ext>
-    </p:extLst>
-  </p:cSld>
-  <p:clrMapOvr>
-    <a:masterClrMapping/>
-  </p:clrMapOvr>
-</p:notes>
-</file>
-
-<file path=ppt/notesSlides/notesSlide14.xml><?xml version="1.0" encoding="utf-8"?>
-<p:notes xmlns:a="http://schemas.openxmlformats.org/drawingml/2006/main" xmlns:r="http://schemas.openxmlformats.org/officeDocument/2006/relationships" xmlns:p="http://schemas.openxmlformats.org/presentationml/2006/main">
-  <p:cSld>
-    <p:spTree>
-      <p:nvGrpSpPr>
-        <p:cNvPr id="1" name="">
-          <a:extLst>
-            <a:ext uri="{FF2B5EF4-FFF2-40B4-BE49-F238E27FC236}">
-              <a16:creationId xmlns:a16="http://schemas.microsoft.com/office/drawing/2014/main" id="{22E261D4-3D27-8094-3136-FC55FEA51692}"/>
-            </a:ext>
-          </a:extLst>
-        </p:cNvPr>
-        <p:cNvGrpSpPr/>
-        <p:nvPr/>
-      </p:nvGrpSpPr>
-      <p:grpSpPr>
-        <a:xfrm>
-          <a:off x="0" y="0"/>
-          <a:ext cx="0" cy="0"/>
-          <a:chOff x="0" y="0"/>
-          <a:chExt cx="0" cy="0"/>
-        </a:xfrm>
-      </p:grpSpPr>
-      <p:sp>
-        <p:nvSpPr>
-          <p:cNvPr id="2" name="Espace réservé de l’image des diapositives 1">
-            <a:extLst>
-              <a:ext uri="{FF2B5EF4-FFF2-40B4-BE49-F238E27FC236}">
-                <a16:creationId xmlns:a16="http://schemas.microsoft.com/office/drawing/2014/main" id="{DB12EF7B-AD47-A8D8-4BF5-C6C3DF3D18CE}"/>
-              </a:ext>
-            </a:extLst>
-          </p:cNvPr>
-          <p:cNvSpPr>
-            <a:spLocks noGrp="1" noRot="1" noChangeAspect="1"/>
-          </p:cNvSpPr>
-          <p:nvPr>
-            <p:ph type="sldImg"/>
-          </p:nvPr>
-        </p:nvSpPr>
-        <p:spPr/>
-      </p:sp>
-      <p:sp>
-        <p:nvSpPr>
-          <p:cNvPr id="3" name="Espace réservé des commentaires 2">
-            <a:extLst>
-              <a:ext uri="{FF2B5EF4-FFF2-40B4-BE49-F238E27FC236}">
-                <a16:creationId xmlns:a16="http://schemas.microsoft.com/office/drawing/2014/main" id="{057F31C9-C532-B079-D421-0A4B26136257}"/>
-              </a:ext>
-            </a:extLst>
-          </p:cNvPr>
-          <p:cNvSpPr>
-            <a:spLocks noGrp="1"/>
-          </p:cNvSpPr>
-          <p:nvPr>
-            <p:ph type="body" idx="1"/>
-          </p:nvPr>
-        </p:nvSpPr>
-        <p:spPr/>
-        <p:txBody>
-          <a:bodyPr rtlCol="0"/>
-          <a:lstStyle>
-            <a:defPPr>
-              <a:defRPr lang="fr-FR"/>
-            </a:defPPr>
-          </a:lstStyle>
-          <a:p>
-            <a:pPr rtl="0"/>
-            <a:endParaRPr lang="fr-FR" dirty="0"/>
-          </a:p>
-        </p:txBody>
-      </p:sp>
-      <p:sp>
-        <p:nvSpPr>
-          <p:cNvPr id="4" name="Espace réservé du numéro de diapositive 3">
-            <a:extLst>
-              <a:ext uri="{FF2B5EF4-FFF2-40B4-BE49-F238E27FC236}">
-                <a16:creationId xmlns:a16="http://schemas.microsoft.com/office/drawing/2014/main" id="{ECCC7C95-74E0-5DCD-B674-B11538D6DC0C}"/>
-              </a:ext>
-            </a:extLst>
-          </p:cNvPr>
-          <p:cNvSpPr>
-            <a:spLocks noGrp="1"/>
-          </p:cNvSpPr>
-          <p:nvPr>
-            <p:ph type="sldNum" sz="quarter" idx="5"/>
-          </p:nvPr>
-        </p:nvSpPr>
-        <p:spPr/>
-        <p:txBody>
-          <a:bodyPr rtlCol="0"/>
-          <a:lstStyle>
-            <a:defPPr>
-              <a:defRPr lang="fr-FR"/>
-            </a:defPPr>
-          </a:lstStyle>
-          <a:p>
-            <a:pPr rtl="0"/>
-            <a:fld id="{A89C7E07-3C67-C64C-8DA0-0404F6303970}" type="slidenum">
-              <a:rPr lang="fr-FR" smtClean="0"/>
-              <a:t>14</a:t>
-            </a:fld>
-            <a:endParaRPr lang="fr-FR" dirty="0"/>
-          </a:p>
-        </p:txBody>
-      </p:sp>
-    </p:spTree>
-    <p:extLst>
-      <p:ext uri="{BB962C8B-B14F-4D97-AF65-F5344CB8AC3E}">
-        <p14:creationId xmlns:p14="http://schemas.microsoft.com/office/powerpoint/2010/main" val="1787229596"/>
-      </p:ext>
-    </p:extLst>
-  </p:cSld>
-  <p:clrMapOvr>
-    <a:masterClrMapping/>
-  </p:clrMapOvr>
-</p:notes>
-</file>
-
-<file path=ppt/notesSlides/notesSlide15.xml><?xml version="1.0" encoding="utf-8"?>
 <p:notes xmlns:a="http://schemas.openxmlformats.org/drawingml/2006/main" xmlns:r="http://schemas.openxmlformats.org/officeDocument/2006/relationships" xmlns:p="http://schemas.openxmlformats.org/presentationml/2006/main">
   <p:cSld>
     <p:spTree>
@@ -1439,7 +1113,809 @@
             <a:pPr rtl="0"/>
             <a:fld id="{A89C7E07-3C67-C64C-8DA0-0404F6303970}" type="slidenum">
               <a:rPr lang="fr-FR" smtClean="0"/>
+              <a:t>12</a:t>
+            </a:fld>
+            <a:endParaRPr lang="fr-FR" dirty="0"/>
+          </a:p>
+        </p:txBody>
+      </p:sp>
+    </p:spTree>
+    <p:extLst>
+      <p:ext uri="{BB962C8B-B14F-4D97-AF65-F5344CB8AC3E}">
+        <p14:creationId xmlns:p14="http://schemas.microsoft.com/office/powerpoint/2010/main" val="2994759380"/>
+      </p:ext>
+    </p:extLst>
+  </p:cSld>
+  <p:clrMapOvr>
+    <a:masterClrMapping/>
+  </p:clrMapOvr>
+</p:notes>
+</file>
+
+<file path=ppt/notesSlides/notesSlide13.xml><?xml version="1.0" encoding="utf-8"?>
+<p:notes xmlns:a="http://schemas.openxmlformats.org/drawingml/2006/main" xmlns:r="http://schemas.openxmlformats.org/officeDocument/2006/relationships" xmlns:p="http://schemas.openxmlformats.org/presentationml/2006/main">
+  <p:cSld>
+    <p:spTree>
+      <p:nvGrpSpPr>
+        <p:cNvPr id="1" name="">
+          <a:extLst>
+            <a:ext uri="{FF2B5EF4-FFF2-40B4-BE49-F238E27FC236}">
+              <a16:creationId xmlns:a16="http://schemas.microsoft.com/office/drawing/2014/main" id="{357EF84B-AEF2-60C8-C8CF-7F189385EFA9}"/>
+            </a:ext>
+          </a:extLst>
+        </p:cNvPr>
+        <p:cNvGrpSpPr/>
+        <p:nvPr/>
+      </p:nvGrpSpPr>
+      <p:grpSpPr>
+        <a:xfrm>
+          <a:off x="0" y="0"/>
+          <a:ext cx="0" cy="0"/>
+          <a:chOff x="0" y="0"/>
+          <a:chExt cx="0" cy="0"/>
+        </a:xfrm>
+      </p:grpSpPr>
+      <p:sp>
+        <p:nvSpPr>
+          <p:cNvPr id="2" name="Espace réservé de l’image des diapositives 1">
+            <a:extLst>
+              <a:ext uri="{FF2B5EF4-FFF2-40B4-BE49-F238E27FC236}">
+                <a16:creationId xmlns:a16="http://schemas.microsoft.com/office/drawing/2014/main" id="{0D06ED8E-C10E-0661-A388-1F94978695C1}"/>
+              </a:ext>
+            </a:extLst>
+          </p:cNvPr>
+          <p:cNvSpPr>
+            <a:spLocks noGrp="1" noRot="1" noChangeAspect="1"/>
+          </p:cNvSpPr>
+          <p:nvPr>
+            <p:ph type="sldImg"/>
+          </p:nvPr>
+        </p:nvSpPr>
+        <p:spPr/>
+      </p:sp>
+      <p:sp>
+        <p:nvSpPr>
+          <p:cNvPr id="3" name="Espace réservé des commentaires 2">
+            <a:extLst>
+              <a:ext uri="{FF2B5EF4-FFF2-40B4-BE49-F238E27FC236}">
+                <a16:creationId xmlns:a16="http://schemas.microsoft.com/office/drawing/2014/main" id="{C2600378-F885-FB67-E6CC-672F2BA0EE2C}"/>
+              </a:ext>
+            </a:extLst>
+          </p:cNvPr>
+          <p:cNvSpPr>
+            <a:spLocks noGrp="1"/>
+          </p:cNvSpPr>
+          <p:nvPr>
+            <p:ph type="body" idx="1"/>
+          </p:nvPr>
+        </p:nvSpPr>
+        <p:spPr/>
+        <p:txBody>
+          <a:bodyPr rtlCol="0"/>
+          <a:lstStyle>
+            <a:defPPr>
+              <a:defRPr lang="fr-FR"/>
+            </a:defPPr>
+          </a:lstStyle>
+          <a:p>
+            <a:pPr rtl="0"/>
+            <a:endParaRPr lang="fr-FR" dirty="0"/>
+          </a:p>
+        </p:txBody>
+      </p:sp>
+      <p:sp>
+        <p:nvSpPr>
+          <p:cNvPr id="4" name="Espace réservé du numéro de diapositive 3">
+            <a:extLst>
+              <a:ext uri="{FF2B5EF4-FFF2-40B4-BE49-F238E27FC236}">
+                <a16:creationId xmlns:a16="http://schemas.microsoft.com/office/drawing/2014/main" id="{A01AFC73-1D7F-1F3D-E2CC-CFB7D8B65946}"/>
+              </a:ext>
+            </a:extLst>
+          </p:cNvPr>
+          <p:cNvSpPr>
+            <a:spLocks noGrp="1"/>
+          </p:cNvSpPr>
+          <p:nvPr>
+            <p:ph type="sldNum" sz="quarter" idx="5"/>
+          </p:nvPr>
+        </p:nvSpPr>
+        <p:spPr/>
+        <p:txBody>
+          <a:bodyPr rtlCol="0"/>
+          <a:lstStyle>
+            <a:defPPr>
+              <a:defRPr lang="fr-FR"/>
+            </a:defPPr>
+          </a:lstStyle>
+          <a:p>
+            <a:pPr rtl="0"/>
+            <a:fld id="{A89C7E07-3C67-C64C-8DA0-0404F6303970}" type="slidenum">
+              <a:rPr lang="fr-FR" smtClean="0"/>
+              <a:t>13</a:t>
+            </a:fld>
+            <a:endParaRPr lang="fr-FR" dirty="0"/>
+          </a:p>
+        </p:txBody>
+      </p:sp>
+    </p:spTree>
+    <p:extLst>
+      <p:ext uri="{BB962C8B-B14F-4D97-AF65-F5344CB8AC3E}">
+        <p14:creationId xmlns:p14="http://schemas.microsoft.com/office/powerpoint/2010/main" val="2154070334"/>
+      </p:ext>
+    </p:extLst>
+  </p:cSld>
+  <p:clrMapOvr>
+    <a:masterClrMapping/>
+  </p:clrMapOvr>
+</p:notes>
+</file>
+
+<file path=ppt/notesSlides/notesSlide14.xml><?xml version="1.0" encoding="utf-8"?>
+<p:notes xmlns:a="http://schemas.openxmlformats.org/drawingml/2006/main" xmlns:r="http://schemas.openxmlformats.org/officeDocument/2006/relationships" xmlns:p="http://schemas.openxmlformats.org/presentationml/2006/main">
+  <p:cSld>
+    <p:spTree>
+      <p:nvGrpSpPr>
+        <p:cNvPr id="1" name="">
+          <a:extLst>
+            <a:ext uri="{FF2B5EF4-FFF2-40B4-BE49-F238E27FC236}">
+              <a16:creationId xmlns:a16="http://schemas.microsoft.com/office/drawing/2014/main" id="{AE2C3FC5-0D2B-0B76-5206-667995467C81}"/>
+            </a:ext>
+          </a:extLst>
+        </p:cNvPr>
+        <p:cNvGrpSpPr/>
+        <p:nvPr/>
+      </p:nvGrpSpPr>
+      <p:grpSpPr>
+        <a:xfrm>
+          <a:off x="0" y="0"/>
+          <a:ext cx="0" cy="0"/>
+          <a:chOff x="0" y="0"/>
+          <a:chExt cx="0" cy="0"/>
+        </a:xfrm>
+      </p:grpSpPr>
+      <p:sp>
+        <p:nvSpPr>
+          <p:cNvPr id="2" name="Espace réservé de l’image des diapositives 1">
+            <a:extLst>
+              <a:ext uri="{FF2B5EF4-FFF2-40B4-BE49-F238E27FC236}">
+                <a16:creationId xmlns:a16="http://schemas.microsoft.com/office/drawing/2014/main" id="{75ACC7EB-2CBF-2AEE-4ACD-3461AA8D3DBC}"/>
+              </a:ext>
+            </a:extLst>
+          </p:cNvPr>
+          <p:cNvSpPr>
+            <a:spLocks noGrp="1" noRot="1" noChangeAspect="1"/>
+          </p:cNvSpPr>
+          <p:nvPr>
+            <p:ph type="sldImg"/>
+          </p:nvPr>
+        </p:nvSpPr>
+        <p:spPr/>
+      </p:sp>
+      <p:sp>
+        <p:nvSpPr>
+          <p:cNvPr id="3" name="Espace réservé des commentaires 2">
+            <a:extLst>
+              <a:ext uri="{FF2B5EF4-FFF2-40B4-BE49-F238E27FC236}">
+                <a16:creationId xmlns:a16="http://schemas.microsoft.com/office/drawing/2014/main" id="{2D2A8EEF-1688-E103-DC29-928AE68AE6B0}"/>
+              </a:ext>
+            </a:extLst>
+          </p:cNvPr>
+          <p:cNvSpPr>
+            <a:spLocks noGrp="1"/>
+          </p:cNvSpPr>
+          <p:nvPr>
+            <p:ph type="body" idx="1"/>
+          </p:nvPr>
+        </p:nvSpPr>
+        <p:spPr/>
+        <p:txBody>
+          <a:bodyPr rtlCol="0"/>
+          <a:lstStyle>
+            <a:defPPr>
+              <a:defRPr lang="fr-FR"/>
+            </a:defPPr>
+          </a:lstStyle>
+          <a:p>
+            <a:pPr rtl="0"/>
+            <a:endParaRPr lang="fr-FR" dirty="0"/>
+          </a:p>
+        </p:txBody>
+      </p:sp>
+      <p:sp>
+        <p:nvSpPr>
+          <p:cNvPr id="4" name="Espace réservé du numéro de diapositive 3">
+            <a:extLst>
+              <a:ext uri="{FF2B5EF4-FFF2-40B4-BE49-F238E27FC236}">
+                <a16:creationId xmlns:a16="http://schemas.microsoft.com/office/drawing/2014/main" id="{32D80E57-5A51-26D0-A6E8-8AA596A68985}"/>
+              </a:ext>
+            </a:extLst>
+          </p:cNvPr>
+          <p:cNvSpPr>
+            <a:spLocks noGrp="1"/>
+          </p:cNvSpPr>
+          <p:nvPr>
+            <p:ph type="sldNum" sz="quarter" idx="5"/>
+          </p:nvPr>
+        </p:nvSpPr>
+        <p:spPr/>
+        <p:txBody>
+          <a:bodyPr rtlCol="0"/>
+          <a:lstStyle>
+            <a:defPPr>
+              <a:defRPr lang="fr-FR"/>
+            </a:defPPr>
+          </a:lstStyle>
+          <a:p>
+            <a:pPr rtl="0"/>
+            <a:fld id="{A89C7E07-3C67-C64C-8DA0-0404F6303970}" type="slidenum">
+              <a:rPr lang="fr-FR" smtClean="0"/>
+              <a:t>14</a:t>
+            </a:fld>
+            <a:endParaRPr lang="fr-FR" dirty="0"/>
+          </a:p>
+        </p:txBody>
+      </p:sp>
+    </p:spTree>
+    <p:extLst>
+      <p:ext uri="{BB962C8B-B14F-4D97-AF65-F5344CB8AC3E}">
+        <p14:creationId xmlns:p14="http://schemas.microsoft.com/office/powerpoint/2010/main" val="1341182053"/>
+      </p:ext>
+    </p:extLst>
+  </p:cSld>
+  <p:clrMapOvr>
+    <a:masterClrMapping/>
+  </p:clrMapOvr>
+</p:notes>
+</file>
+
+<file path=ppt/notesSlides/notesSlide15.xml><?xml version="1.0" encoding="utf-8"?>
+<p:notes xmlns:a="http://schemas.openxmlformats.org/drawingml/2006/main" xmlns:r="http://schemas.openxmlformats.org/officeDocument/2006/relationships" xmlns:p="http://schemas.openxmlformats.org/presentationml/2006/main">
+  <p:cSld>
+    <p:spTree>
+      <p:nvGrpSpPr>
+        <p:cNvPr id="1" name="">
+          <a:extLst>
+            <a:ext uri="{FF2B5EF4-FFF2-40B4-BE49-F238E27FC236}">
+              <a16:creationId xmlns:a16="http://schemas.microsoft.com/office/drawing/2014/main" id="{C5349C82-BBA2-7F34-B3B7-7E868CAB0283}"/>
+            </a:ext>
+          </a:extLst>
+        </p:cNvPr>
+        <p:cNvGrpSpPr/>
+        <p:nvPr/>
+      </p:nvGrpSpPr>
+      <p:grpSpPr>
+        <a:xfrm>
+          <a:off x="0" y="0"/>
+          <a:ext cx="0" cy="0"/>
+          <a:chOff x="0" y="0"/>
+          <a:chExt cx="0" cy="0"/>
+        </a:xfrm>
+      </p:grpSpPr>
+      <p:sp>
+        <p:nvSpPr>
+          <p:cNvPr id="2" name="Espace réservé de l’image des diapositives 1">
+            <a:extLst>
+              <a:ext uri="{FF2B5EF4-FFF2-40B4-BE49-F238E27FC236}">
+                <a16:creationId xmlns:a16="http://schemas.microsoft.com/office/drawing/2014/main" id="{2A71CF4F-C338-7C68-A78A-D9972301BDD6}"/>
+              </a:ext>
+            </a:extLst>
+          </p:cNvPr>
+          <p:cNvSpPr>
+            <a:spLocks noGrp="1" noRot="1" noChangeAspect="1"/>
+          </p:cNvSpPr>
+          <p:nvPr>
+            <p:ph type="sldImg"/>
+          </p:nvPr>
+        </p:nvSpPr>
+        <p:spPr/>
+      </p:sp>
+      <p:sp>
+        <p:nvSpPr>
+          <p:cNvPr id="3" name="Espace réservé des commentaires 2">
+            <a:extLst>
+              <a:ext uri="{FF2B5EF4-FFF2-40B4-BE49-F238E27FC236}">
+                <a16:creationId xmlns:a16="http://schemas.microsoft.com/office/drawing/2014/main" id="{A4219113-E8CF-0754-4CA4-83FC59772930}"/>
+              </a:ext>
+            </a:extLst>
+          </p:cNvPr>
+          <p:cNvSpPr>
+            <a:spLocks noGrp="1"/>
+          </p:cNvSpPr>
+          <p:nvPr>
+            <p:ph type="body" idx="1"/>
+          </p:nvPr>
+        </p:nvSpPr>
+        <p:spPr/>
+        <p:txBody>
+          <a:bodyPr rtlCol="0"/>
+          <a:lstStyle>
+            <a:defPPr>
+              <a:defRPr lang="fr-FR"/>
+            </a:defPPr>
+          </a:lstStyle>
+          <a:p>
+            <a:pPr rtl="0"/>
+            <a:endParaRPr lang="fr-FR" dirty="0"/>
+          </a:p>
+        </p:txBody>
+      </p:sp>
+      <p:sp>
+        <p:nvSpPr>
+          <p:cNvPr id="4" name="Espace réservé du numéro de diapositive 3">
+            <a:extLst>
+              <a:ext uri="{FF2B5EF4-FFF2-40B4-BE49-F238E27FC236}">
+                <a16:creationId xmlns:a16="http://schemas.microsoft.com/office/drawing/2014/main" id="{07B1386E-C832-839A-02A1-673C50BA3A2E}"/>
+              </a:ext>
+            </a:extLst>
+          </p:cNvPr>
+          <p:cNvSpPr>
+            <a:spLocks noGrp="1"/>
+          </p:cNvSpPr>
+          <p:nvPr>
+            <p:ph type="sldNum" sz="quarter" idx="5"/>
+          </p:nvPr>
+        </p:nvSpPr>
+        <p:spPr/>
+        <p:txBody>
+          <a:bodyPr rtlCol="0"/>
+          <a:lstStyle>
+            <a:defPPr>
+              <a:defRPr lang="fr-FR"/>
+            </a:defPPr>
+          </a:lstStyle>
+          <a:p>
+            <a:pPr rtl="0"/>
+            <a:fld id="{A89C7E07-3C67-C64C-8DA0-0404F6303970}" type="slidenum">
+              <a:rPr lang="fr-FR" smtClean="0"/>
               <a:t>15</a:t>
+            </a:fld>
+            <a:endParaRPr lang="fr-FR" dirty="0"/>
+          </a:p>
+        </p:txBody>
+      </p:sp>
+    </p:spTree>
+    <p:extLst>
+      <p:ext uri="{BB962C8B-B14F-4D97-AF65-F5344CB8AC3E}">
+        <p14:creationId xmlns:p14="http://schemas.microsoft.com/office/powerpoint/2010/main" val="3101179319"/>
+      </p:ext>
+    </p:extLst>
+  </p:cSld>
+  <p:clrMapOvr>
+    <a:masterClrMapping/>
+  </p:clrMapOvr>
+</p:notes>
+</file>
+
+<file path=ppt/notesSlides/notesSlide16.xml><?xml version="1.0" encoding="utf-8"?>
+<p:notes xmlns:a="http://schemas.openxmlformats.org/drawingml/2006/main" xmlns:r="http://schemas.openxmlformats.org/officeDocument/2006/relationships" xmlns:p="http://schemas.openxmlformats.org/presentationml/2006/main">
+  <p:cSld>
+    <p:spTree>
+      <p:nvGrpSpPr>
+        <p:cNvPr id="1" name="">
+          <a:extLst>
+            <a:ext uri="{FF2B5EF4-FFF2-40B4-BE49-F238E27FC236}">
+              <a16:creationId xmlns:a16="http://schemas.microsoft.com/office/drawing/2014/main" id="{526DF26B-4D02-6B1B-2E66-1A93ACB6CFF2}"/>
+            </a:ext>
+          </a:extLst>
+        </p:cNvPr>
+        <p:cNvGrpSpPr/>
+        <p:nvPr/>
+      </p:nvGrpSpPr>
+      <p:grpSpPr>
+        <a:xfrm>
+          <a:off x="0" y="0"/>
+          <a:ext cx="0" cy="0"/>
+          <a:chOff x="0" y="0"/>
+          <a:chExt cx="0" cy="0"/>
+        </a:xfrm>
+      </p:grpSpPr>
+      <p:sp>
+        <p:nvSpPr>
+          <p:cNvPr id="2" name="Espace réservé de l’image des diapositives 1">
+            <a:extLst>
+              <a:ext uri="{FF2B5EF4-FFF2-40B4-BE49-F238E27FC236}">
+                <a16:creationId xmlns:a16="http://schemas.microsoft.com/office/drawing/2014/main" id="{F87A4D0C-A7EC-FF5D-8D78-62C63DE76B30}"/>
+              </a:ext>
+            </a:extLst>
+          </p:cNvPr>
+          <p:cNvSpPr>
+            <a:spLocks noGrp="1" noRot="1" noChangeAspect="1"/>
+          </p:cNvSpPr>
+          <p:nvPr>
+            <p:ph type="sldImg"/>
+          </p:nvPr>
+        </p:nvSpPr>
+        <p:spPr/>
+      </p:sp>
+      <p:sp>
+        <p:nvSpPr>
+          <p:cNvPr id="3" name="Espace réservé des commentaires 2">
+            <a:extLst>
+              <a:ext uri="{FF2B5EF4-FFF2-40B4-BE49-F238E27FC236}">
+                <a16:creationId xmlns:a16="http://schemas.microsoft.com/office/drawing/2014/main" id="{F1E6FFB1-197B-5D14-BB67-DF602DF89C72}"/>
+              </a:ext>
+            </a:extLst>
+          </p:cNvPr>
+          <p:cNvSpPr>
+            <a:spLocks noGrp="1"/>
+          </p:cNvSpPr>
+          <p:nvPr>
+            <p:ph type="body" idx="1"/>
+          </p:nvPr>
+        </p:nvSpPr>
+        <p:spPr/>
+        <p:txBody>
+          <a:bodyPr rtlCol="0"/>
+          <a:lstStyle>
+            <a:defPPr>
+              <a:defRPr lang="fr-FR"/>
+            </a:defPPr>
+          </a:lstStyle>
+          <a:p>
+            <a:pPr rtl="0"/>
+            <a:endParaRPr lang="fr-FR" dirty="0"/>
+          </a:p>
+        </p:txBody>
+      </p:sp>
+      <p:sp>
+        <p:nvSpPr>
+          <p:cNvPr id="4" name="Espace réservé du numéro de diapositive 3">
+            <a:extLst>
+              <a:ext uri="{FF2B5EF4-FFF2-40B4-BE49-F238E27FC236}">
+                <a16:creationId xmlns:a16="http://schemas.microsoft.com/office/drawing/2014/main" id="{86DC8A0F-F7D2-DE86-90F3-00DE76444E12}"/>
+              </a:ext>
+            </a:extLst>
+          </p:cNvPr>
+          <p:cNvSpPr>
+            <a:spLocks noGrp="1"/>
+          </p:cNvSpPr>
+          <p:nvPr>
+            <p:ph type="sldNum" sz="quarter" idx="5"/>
+          </p:nvPr>
+        </p:nvSpPr>
+        <p:spPr/>
+        <p:txBody>
+          <a:bodyPr rtlCol="0"/>
+          <a:lstStyle>
+            <a:defPPr>
+              <a:defRPr lang="fr-FR"/>
+            </a:defPPr>
+          </a:lstStyle>
+          <a:p>
+            <a:pPr rtl="0"/>
+            <a:fld id="{A89C7E07-3C67-C64C-8DA0-0404F6303970}" type="slidenum">
+              <a:rPr lang="fr-FR" smtClean="0"/>
+              <a:t>16</a:t>
+            </a:fld>
+            <a:endParaRPr lang="fr-FR" dirty="0"/>
+          </a:p>
+        </p:txBody>
+      </p:sp>
+    </p:spTree>
+    <p:extLst>
+      <p:ext uri="{BB962C8B-B14F-4D97-AF65-F5344CB8AC3E}">
+        <p14:creationId xmlns:p14="http://schemas.microsoft.com/office/powerpoint/2010/main" val="3339978262"/>
+      </p:ext>
+    </p:extLst>
+  </p:cSld>
+  <p:clrMapOvr>
+    <a:masterClrMapping/>
+  </p:clrMapOvr>
+</p:notes>
+</file>
+
+<file path=ppt/notesSlides/notesSlide17.xml><?xml version="1.0" encoding="utf-8"?>
+<p:notes xmlns:a="http://schemas.openxmlformats.org/drawingml/2006/main" xmlns:r="http://schemas.openxmlformats.org/officeDocument/2006/relationships" xmlns:p="http://schemas.openxmlformats.org/presentationml/2006/main">
+  <p:cSld>
+    <p:spTree>
+      <p:nvGrpSpPr>
+        <p:cNvPr id="1" name="">
+          <a:extLst>
+            <a:ext uri="{FF2B5EF4-FFF2-40B4-BE49-F238E27FC236}">
+              <a16:creationId xmlns:a16="http://schemas.microsoft.com/office/drawing/2014/main" id="{656FAC7A-F1D8-0C96-3166-3DE9C13DFAD0}"/>
+            </a:ext>
+          </a:extLst>
+        </p:cNvPr>
+        <p:cNvGrpSpPr/>
+        <p:nvPr/>
+      </p:nvGrpSpPr>
+      <p:grpSpPr>
+        <a:xfrm>
+          <a:off x="0" y="0"/>
+          <a:ext cx="0" cy="0"/>
+          <a:chOff x="0" y="0"/>
+          <a:chExt cx="0" cy="0"/>
+        </a:xfrm>
+      </p:grpSpPr>
+      <p:sp>
+        <p:nvSpPr>
+          <p:cNvPr id="2" name="Espace réservé de l’image des diapositives 1">
+            <a:extLst>
+              <a:ext uri="{FF2B5EF4-FFF2-40B4-BE49-F238E27FC236}">
+                <a16:creationId xmlns:a16="http://schemas.microsoft.com/office/drawing/2014/main" id="{7C860D6B-9702-425B-4FE4-4B7919F99EA5}"/>
+              </a:ext>
+            </a:extLst>
+          </p:cNvPr>
+          <p:cNvSpPr>
+            <a:spLocks noGrp="1" noRot="1" noChangeAspect="1"/>
+          </p:cNvSpPr>
+          <p:nvPr>
+            <p:ph type="sldImg"/>
+          </p:nvPr>
+        </p:nvSpPr>
+        <p:spPr/>
+      </p:sp>
+      <p:sp>
+        <p:nvSpPr>
+          <p:cNvPr id="3" name="Espace réservé des commentaires 2">
+            <a:extLst>
+              <a:ext uri="{FF2B5EF4-FFF2-40B4-BE49-F238E27FC236}">
+                <a16:creationId xmlns:a16="http://schemas.microsoft.com/office/drawing/2014/main" id="{F15FC60E-19FE-DAB6-E00D-59D1F9DE9991}"/>
+              </a:ext>
+            </a:extLst>
+          </p:cNvPr>
+          <p:cNvSpPr>
+            <a:spLocks noGrp="1"/>
+          </p:cNvSpPr>
+          <p:nvPr>
+            <p:ph type="body" idx="1"/>
+          </p:nvPr>
+        </p:nvSpPr>
+        <p:spPr/>
+        <p:txBody>
+          <a:bodyPr rtlCol="0"/>
+          <a:lstStyle>
+            <a:defPPr>
+              <a:defRPr lang="fr-FR"/>
+            </a:defPPr>
+          </a:lstStyle>
+          <a:p>
+            <a:pPr rtl="0"/>
+            <a:endParaRPr lang="fr-FR" dirty="0"/>
+          </a:p>
+        </p:txBody>
+      </p:sp>
+      <p:sp>
+        <p:nvSpPr>
+          <p:cNvPr id="4" name="Espace réservé du numéro de diapositive 3">
+            <a:extLst>
+              <a:ext uri="{FF2B5EF4-FFF2-40B4-BE49-F238E27FC236}">
+                <a16:creationId xmlns:a16="http://schemas.microsoft.com/office/drawing/2014/main" id="{60FB8891-4E92-365F-C52A-99B865320B20}"/>
+              </a:ext>
+            </a:extLst>
+          </p:cNvPr>
+          <p:cNvSpPr>
+            <a:spLocks noGrp="1"/>
+          </p:cNvSpPr>
+          <p:nvPr>
+            <p:ph type="sldNum" sz="quarter" idx="5"/>
+          </p:nvPr>
+        </p:nvSpPr>
+        <p:spPr/>
+        <p:txBody>
+          <a:bodyPr rtlCol="0"/>
+          <a:lstStyle>
+            <a:defPPr>
+              <a:defRPr lang="fr-FR"/>
+            </a:defPPr>
+          </a:lstStyle>
+          <a:p>
+            <a:pPr rtl="0"/>
+            <a:fld id="{A89C7E07-3C67-C64C-8DA0-0404F6303970}" type="slidenum">
+              <a:rPr lang="fr-FR" smtClean="0"/>
+              <a:t>17</a:t>
+            </a:fld>
+            <a:endParaRPr lang="fr-FR" dirty="0"/>
+          </a:p>
+        </p:txBody>
+      </p:sp>
+    </p:spTree>
+    <p:extLst>
+      <p:ext uri="{BB962C8B-B14F-4D97-AF65-F5344CB8AC3E}">
+        <p14:creationId xmlns:p14="http://schemas.microsoft.com/office/powerpoint/2010/main" val="2295867635"/>
+      </p:ext>
+    </p:extLst>
+  </p:cSld>
+  <p:clrMapOvr>
+    <a:masterClrMapping/>
+  </p:clrMapOvr>
+</p:notes>
+</file>
+
+<file path=ppt/notesSlides/notesSlide18.xml><?xml version="1.0" encoding="utf-8"?>
+<p:notes xmlns:a="http://schemas.openxmlformats.org/drawingml/2006/main" xmlns:r="http://schemas.openxmlformats.org/officeDocument/2006/relationships" xmlns:p="http://schemas.openxmlformats.org/presentationml/2006/main">
+  <p:cSld>
+    <p:spTree>
+      <p:nvGrpSpPr>
+        <p:cNvPr id="1" name="">
+          <a:extLst>
+            <a:ext uri="{FF2B5EF4-FFF2-40B4-BE49-F238E27FC236}">
+              <a16:creationId xmlns:a16="http://schemas.microsoft.com/office/drawing/2014/main" id="{22E261D4-3D27-8094-3136-FC55FEA51692}"/>
+            </a:ext>
+          </a:extLst>
+        </p:cNvPr>
+        <p:cNvGrpSpPr/>
+        <p:nvPr/>
+      </p:nvGrpSpPr>
+      <p:grpSpPr>
+        <a:xfrm>
+          <a:off x="0" y="0"/>
+          <a:ext cx="0" cy="0"/>
+          <a:chOff x="0" y="0"/>
+          <a:chExt cx="0" cy="0"/>
+        </a:xfrm>
+      </p:grpSpPr>
+      <p:sp>
+        <p:nvSpPr>
+          <p:cNvPr id="2" name="Espace réservé de l’image des diapositives 1">
+            <a:extLst>
+              <a:ext uri="{FF2B5EF4-FFF2-40B4-BE49-F238E27FC236}">
+                <a16:creationId xmlns:a16="http://schemas.microsoft.com/office/drawing/2014/main" id="{DB12EF7B-AD47-A8D8-4BF5-C6C3DF3D18CE}"/>
+              </a:ext>
+            </a:extLst>
+          </p:cNvPr>
+          <p:cNvSpPr>
+            <a:spLocks noGrp="1" noRot="1" noChangeAspect="1"/>
+          </p:cNvSpPr>
+          <p:nvPr>
+            <p:ph type="sldImg"/>
+          </p:nvPr>
+        </p:nvSpPr>
+        <p:spPr/>
+      </p:sp>
+      <p:sp>
+        <p:nvSpPr>
+          <p:cNvPr id="3" name="Espace réservé des commentaires 2">
+            <a:extLst>
+              <a:ext uri="{FF2B5EF4-FFF2-40B4-BE49-F238E27FC236}">
+                <a16:creationId xmlns:a16="http://schemas.microsoft.com/office/drawing/2014/main" id="{057F31C9-C532-B079-D421-0A4B26136257}"/>
+              </a:ext>
+            </a:extLst>
+          </p:cNvPr>
+          <p:cNvSpPr>
+            <a:spLocks noGrp="1"/>
+          </p:cNvSpPr>
+          <p:nvPr>
+            <p:ph type="body" idx="1"/>
+          </p:nvPr>
+        </p:nvSpPr>
+        <p:spPr/>
+        <p:txBody>
+          <a:bodyPr rtlCol="0"/>
+          <a:lstStyle>
+            <a:defPPr>
+              <a:defRPr lang="fr-FR"/>
+            </a:defPPr>
+          </a:lstStyle>
+          <a:p>
+            <a:pPr rtl="0"/>
+            <a:endParaRPr lang="fr-FR" dirty="0"/>
+          </a:p>
+        </p:txBody>
+      </p:sp>
+      <p:sp>
+        <p:nvSpPr>
+          <p:cNvPr id="4" name="Espace réservé du numéro de diapositive 3">
+            <a:extLst>
+              <a:ext uri="{FF2B5EF4-FFF2-40B4-BE49-F238E27FC236}">
+                <a16:creationId xmlns:a16="http://schemas.microsoft.com/office/drawing/2014/main" id="{ECCC7C95-74E0-5DCD-B674-B11538D6DC0C}"/>
+              </a:ext>
+            </a:extLst>
+          </p:cNvPr>
+          <p:cNvSpPr>
+            <a:spLocks noGrp="1"/>
+          </p:cNvSpPr>
+          <p:nvPr>
+            <p:ph type="sldNum" sz="quarter" idx="5"/>
+          </p:nvPr>
+        </p:nvSpPr>
+        <p:spPr/>
+        <p:txBody>
+          <a:bodyPr rtlCol="0"/>
+          <a:lstStyle>
+            <a:defPPr>
+              <a:defRPr lang="fr-FR"/>
+            </a:defPPr>
+          </a:lstStyle>
+          <a:p>
+            <a:pPr rtl="0"/>
+            <a:fld id="{A89C7E07-3C67-C64C-8DA0-0404F6303970}" type="slidenum">
+              <a:rPr lang="fr-FR" smtClean="0"/>
+              <a:t>18</a:t>
+            </a:fld>
+            <a:endParaRPr lang="fr-FR" dirty="0"/>
+          </a:p>
+        </p:txBody>
+      </p:sp>
+    </p:spTree>
+    <p:extLst>
+      <p:ext uri="{BB962C8B-B14F-4D97-AF65-F5344CB8AC3E}">
+        <p14:creationId xmlns:p14="http://schemas.microsoft.com/office/powerpoint/2010/main" val="1787229596"/>
+      </p:ext>
+    </p:extLst>
+  </p:cSld>
+  <p:clrMapOvr>
+    <a:masterClrMapping/>
+  </p:clrMapOvr>
+</p:notes>
+</file>
+
+<file path=ppt/notesSlides/notesSlide19.xml><?xml version="1.0" encoding="utf-8"?>
+<p:notes xmlns:a="http://schemas.openxmlformats.org/drawingml/2006/main" xmlns:r="http://schemas.openxmlformats.org/officeDocument/2006/relationships" xmlns:p="http://schemas.openxmlformats.org/presentationml/2006/main">
+  <p:cSld>
+    <p:spTree>
+      <p:nvGrpSpPr>
+        <p:cNvPr id="1" name=""/>
+        <p:cNvGrpSpPr/>
+        <p:nvPr/>
+      </p:nvGrpSpPr>
+      <p:grpSpPr>
+        <a:xfrm>
+          <a:off x="0" y="0"/>
+          <a:ext cx="0" cy="0"/>
+          <a:chOff x="0" y="0"/>
+          <a:chExt cx="0" cy="0"/>
+        </a:xfrm>
+      </p:grpSpPr>
+      <p:sp>
+        <p:nvSpPr>
+          <p:cNvPr id="2" name="Espace réservé de l’image des diapositives 1"/>
+          <p:cNvSpPr>
+            <a:spLocks noGrp="1" noRot="1" noChangeAspect="1"/>
+          </p:cNvSpPr>
+          <p:nvPr>
+            <p:ph type="sldImg"/>
+          </p:nvPr>
+        </p:nvSpPr>
+        <p:spPr/>
+      </p:sp>
+      <p:sp>
+        <p:nvSpPr>
+          <p:cNvPr id="3" name="Espace réservé des commentaires 2"/>
+          <p:cNvSpPr>
+            <a:spLocks noGrp="1"/>
+          </p:cNvSpPr>
+          <p:nvPr>
+            <p:ph type="body" idx="1"/>
+          </p:nvPr>
+        </p:nvSpPr>
+        <p:spPr/>
+        <p:txBody>
+          <a:bodyPr rtlCol="0"/>
+          <a:lstStyle>
+            <a:defPPr>
+              <a:defRPr lang="fr-FR"/>
+            </a:defPPr>
+          </a:lstStyle>
+          <a:p>
+            <a:pPr rtl="0"/>
+            <a:endParaRPr lang="fr-FR" dirty="0"/>
+          </a:p>
+        </p:txBody>
+      </p:sp>
+      <p:sp>
+        <p:nvSpPr>
+          <p:cNvPr id="4" name="Espace réservé du numéro de diapositive 3"/>
+          <p:cNvSpPr>
+            <a:spLocks noGrp="1"/>
+          </p:cNvSpPr>
+          <p:nvPr>
+            <p:ph type="sldNum" sz="quarter" idx="5"/>
+          </p:nvPr>
+        </p:nvSpPr>
+        <p:spPr/>
+        <p:txBody>
+          <a:bodyPr rtlCol="0"/>
+          <a:lstStyle>
+            <a:defPPr>
+              <a:defRPr lang="fr-FR"/>
+            </a:defPPr>
+          </a:lstStyle>
+          <a:p>
+            <a:pPr rtl="0"/>
+            <a:fld id="{A89C7E07-3C67-C64C-8DA0-0404F6303970}" type="slidenum">
+              <a:rPr lang="fr-FR" smtClean="0"/>
+              <a:t>19</a:t>
             </a:fld>
             <a:endParaRPr lang="fr-FR" dirty="0"/>
           </a:p>
@@ -10980,6 +11456,314 @@
   <p:cSld>
     <p:spTree>
       <p:nvGrpSpPr>
+        <p:cNvPr id="1" name="">
+          <a:extLst>
+            <a:ext uri="{FF2B5EF4-FFF2-40B4-BE49-F238E27FC236}">
+              <a16:creationId xmlns:a16="http://schemas.microsoft.com/office/drawing/2014/main" id="{62115E57-5250-9F87-80FD-76525DE4C576}"/>
+            </a:ext>
+          </a:extLst>
+        </p:cNvPr>
+        <p:cNvGrpSpPr/>
+        <p:nvPr/>
+      </p:nvGrpSpPr>
+      <p:grpSpPr>
+        <a:xfrm>
+          <a:off x="0" y="0"/>
+          <a:ext cx="0" cy="0"/>
+          <a:chOff x="0" y="0"/>
+          <a:chExt cx="0" cy="0"/>
+        </a:xfrm>
+      </p:grpSpPr>
+      <p:sp>
+        <p:nvSpPr>
+          <p:cNvPr id="2" name="Titre 1">
+            <a:extLst>
+              <a:ext uri="{FF2B5EF4-FFF2-40B4-BE49-F238E27FC236}">
+                <a16:creationId xmlns:a16="http://schemas.microsoft.com/office/drawing/2014/main" id="{7EA0A044-7E24-DB0D-914D-5AFE258A8BFA}"/>
+              </a:ext>
+            </a:extLst>
+          </p:cNvPr>
+          <p:cNvSpPr>
+            <a:spLocks noGrp="1"/>
+          </p:cNvSpPr>
+          <p:nvPr>
+            <p:ph type="title"/>
+          </p:nvPr>
+        </p:nvSpPr>
+        <p:spPr>
+          <a:xfrm>
+            <a:off x="594360" y="278129"/>
+            <a:ext cx="5587365" cy="1494596"/>
+          </a:xfrm>
+        </p:spPr>
+        <p:txBody>
+          <a:bodyPr rtlCol="0"/>
+          <a:lstStyle>
+            <a:defPPr>
+              <a:defRPr lang="fr-FR"/>
+            </a:defPPr>
+          </a:lstStyle>
+          <a:p>
+            <a:pPr rtl="0"/>
+            <a:r>
+              <a:rPr lang="fr-FR" sz="3600" dirty="0"/>
+              <a:t>Le projet le plus important de mon BTS - MarieTeam</a:t>
+            </a:r>
+          </a:p>
+        </p:txBody>
+      </p:sp>
+      <p:sp>
+        <p:nvSpPr>
+          <p:cNvPr id="4" name="Espace réservé du contenu 3">
+            <a:extLst>
+              <a:ext uri="{FF2B5EF4-FFF2-40B4-BE49-F238E27FC236}">
+                <a16:creationId xmlns:a16="http://schemas.microsoft.com/office/drawing/2014/main" id="{01F715AA-6FAA-3279-090B-642D3CE6D59D}"/>
+              </a:ext>
+            </a:extLst>
+          </p:cNvPr>
+          <p:cNvSpPr>
+            <a:spLocks noGrp="1"/>
+          </p:cNvSpPr>
+          <p:nvPr>
+            <p:ph sz="quarter" idx="15"/>
+          </p:nvPr>
+        </p:nvSpPr>
+        <p:spPr>
+          <a:xfrm>
+            <a:off x="594360" y="2381250"/>
+            <a:ext cx="4490827" cy="3597470"/>
+          </a:xfrm>
+        </p:spPr>
+        <p:txBody>
+          <a:bodyPr/>
+          <a:lstStyle/>
+          <a:p>
+            <a:pPr algn="ctr"/>
+            <a:r>
+              <a:rPr lang="fr-FR" dirty="0"/>
+              <a:t>MarieTeam </a:t>
+            </a:r>
+          </a:p>
+          <a:p>
+            <a:pPr algn="ctr"/>
+            <a:r>
+              <a:rPr lang="fr-FR" dirty="0"/>
+              <a:t> Application web de réservation de trajet maritimes</a:t>
+            </a:r>
+          </a:p>
+          <a:p>
+            <a:pPr algn="ctr"/>
+            <a:endParaRPr lang="fr-FR" dirty="0"/>
+          </a:p>
+          <a:p>
+            <a:pPr algn="ctr"/>
+            <a:endParaRPr lang="fr-FR" dirty="0"/>
+          </a:p>
+        </p:txBody>
+      </p:sp>
+      <p:sp>
+        <p:nvSpPr>
+          <p:cNvPr id="7" name="Espace réservé du contenu 6">
+            <a:extLst>
+              <a:ext uri="{FF2B5EF4-FFF2-40B4-BE49-F238E27FC236}">
+                <a16:creationId xmlns:a16="http://schemas.microsoft.com/office/drawing/2014/main" id="{F4DB1A95-AAA7-E390-D5A8-9D570C2A91F3}"/>
+              </a:ext>
+            </a:extLst>
+          </p:cNvPr>
+          <p:cNvSpPr>
+            <a:spLocks noGrp="1"/>
+          </p:cNvSpPr>
+          <p:nvPr>
+            <p:ph sz="quarter" idx="16"/>
+          </p:nvPr>
+        </p:nvSpPr>
+        <p:spPr>
+          <a:xfrm>
+            <a:off x="5862848" y="2381250"/>
+            <a:ext cx="4490827" cy="3597470"/>
+          </a:xfrm>
+        </p:spPr>
+        <p:txBody>
+          <a:bodyPr/>
+          <a:lstStyle/>
+          <a:p>
+            <a:pPr algn="ctr"/>
+            <a:r>
+              <a:rPr lang="fr-FR" dirty="0"/>
+              <a:t>Décomposé en 2 projets distincts : </a:t>
+            </a:r>
+          </a:p>
+          <a:p>
+            <a:pPr algn="ctr"/>
+            <a:r>
+              <a:rPr lang="fr-FR" dirty="0"/>
+              <a:t>Application Web pour les réservations</a:t>
+            </a:r>
+          </a:p>
+          <a:p>
+            <a:pPr algn="ctr"/>
+            <a:r>
+              <a:rPr lang="fr-FR" dirty="0"/>
+              <a:t>Application en client lourd pour générer des PDF</a:t>
+            </a:r>
+          </a:p>
+        </p:txBody>
+      </p:sp>
+      <p:pic>
+        <p:nvPicPr>
+          <p:cNvPr id="10" name="Image 9">
+            <a:extLst>
+              <a:ext uri="{FF2B5EF4-FFF2-40B4-BE49-F238E27FC236}">
+                <a16:creationId xmlns:a16="http://schemas.microsoft.com/office/drawing/2014/main" id="{464A4FD9-E815-A34D-12A1-38BCB847D874}"/>
+              </a:ext>
+            </a:extLst>
+          </p:cNvPr>
+          <p:cNvPicPr>
+            <a:picLocks noChangeAspect="1"/>
+          </p:cNvPicPr>
+          <p:nvPr/>
+        </p:nvPicPr>
+        <p:blipFill>
+          <a:blip r:embed="rId3"/>
+          <a:stretch>
+            <a:fillRect/>
+          </a:stretch>
+        </p:blipFill>
+        <p:spPr>
+          <a:xfrm>
+            <a:off x="798876" y="3543300"/>
+            <a:ext cx="4081794" cy="3172164"/>
+          </a:xfrm>
+          <a:prstGeom prst="rect">
+            <a:avLst/>
+          </a:prstGeom>
+        </p:spPr>
+      </p:pic>
+    </p:spTree>
+    <p:extLst>
+      <p:ext uri="{BB962C8B-B14F-4D97-AF65-F5344CB8AC3E}">
+        <p14:creationId xmlns:p14="http://schemas.microsoft.com/office/powerpoint/2010/main" val="1153400458"/>
+      </p:ext>
+    </p:extLst>
+  </p:cSld>
+  <p:clrMapOvr>
+    <a:masterClrMapping/>
+  </p:clrMapOvr>
+</p:sld>
+</file>
+
+<file path=ppt/slides/slide11.xml><?xml version="1.0" encoding="utf-8"?>
+<p:sld xmlns:a="http://schemas.openxmlformats.org/drawingml/2006/main" xmlns:r="http://schemas.openxmlformats.org/officeDocument/2006/relationships" xmlns:p="http://schemas.openxmlformats.org/presentationml/2006/main">
+  <p:cSld>
+    <p:spTree>
+      <p:nvGrpSpPr>
+        <p:cNvPr id="1" name="">
+          <a:extLst>
+            <a:ext uri="{FF2B5EF4-FFF2-40B4-BE49-F238E27FC236}">
+              <a16:creationId xmlns:a16="http://schemas.microsoft.com/office/drawing/2014/main" id="{31C62C9D-803F-4196-FD5C-EA2DDC79B405}"/>
+            </a:ext>
+          </a:extLst>
+        </p:cNvPr>
+        <p:cNvGrpSpPr/>
+        <p:nvPr/>
+      </p:nvGrpSpPr>
+      <p:grpSpPr>
+        <a:xfrm>
+          <a:off x="0" y="0"/>
+          <a:ext cx="0" cy="0"/>
+          <a:chOff x="0" y="0"/>
+          <a:chExt cx="0" cy="0"/>
+        </a:xfrm>
+      </p:grpSpPr>
+      <p:sp>
+        <p:nvSpPr>
+          <p:cNvPr id="2" name="Titre 1">
+            <a:extLst>
+              <a:ext uri="{FF2B5EF4-FFF2-40B4-BE49-F238E27FC236}">
+                <a16:creationId xmlns:a16="http://schemas.microsoft.com/office/drawing/2014/main" id="{DFA41144-957C-38C9-0256-0288AB4ADA10}"/>
+              </a:ext>
+            </a:extLst>
+          </p:cNvPr>
+          <p:cNvSpPr>
+            <a:spLocks noGrp="1"/>
+          </p:cNvSpPr>
+          <p:nvPr>
+            <p:ph type="title"/>
+          </p:nvPr>
+        </p:nvSpPr>
+        <p:spPr>
+          <a:xfrm>
+            <a:off x="594360" y="278129"/>
+            <a:ext cx="5587365" cy="1494596"/>
+          </a:xfrm>
+        </p:spPr>
+        <p:txBody>
+          <a:bodyPr rtlCol="0"/>
+          <a:lstStyle>
+            <a:defPPr>
+              <a:defRPr lang="fr-FR"/>
+            </a:defPPr>
+          </a:lstStyle>
+          <a:p>
+            <a:pPr rtl="0"/>
+            <a:r>
+              <a:rPr lang="fr-FR" sz="3600" dirty="0"/>
+              <a:t>Mon sujet de veille technologique</a:t>
+            </a:r>
+          </a:p>
+        </p:txBody>
+      </p:sp>
+      <p:sp>
+        <p:nvSpPr>
+          <p:cNvPr id="5" name="Espace réservé du contenu 4">
+            <a:extLst>
+              <a:ext uri="{FF2B5EF4-FFF2-40B4-BE49-F238E27FC236}">
+                <a16:creationId xmlns:a16="http://schemas.microsoft.com/office/drawing/2014/main" id="{41898EF6-82B4-60FF-2E8E-C3F5417E87A5}"/>
+              </a:ext>
+            </a:extLst>
+          </p:cNvPr>
+          <p:cNvSpPr>
+            <a:spLocks noGrp="1"/>
+          </p:cNvSpPr>
+          <p:nvPr>
+            <p:ph sz="quarter" idx="15"/>
+          </p:nvPr>
+        </p:nvSpPr>
+        <p:spPr>
+          <a:xfrm>
+            <a:off x="3850586" y="3064714"/>
+            <a:ext cx="4490827" cy="3597470"/>
+          </a:xfrm>
+        </p:spPr>
+        <p:txBody>
+          <a:bodyPr/>
+          <a:lstStyle/>
+          <a:p>
+            <a:r>
+              <a:rPr lang="fr-FR" dirty="0"/>
+              <a:t>Pour mon sujet de veille technologique, j’ai choisi la place de l’IA dans le monde des développeurs</a:t>
+            </a:r>
+          </a:p>
+        </p:txBody>
+      </p:sp>
+    </p:spTree>
+    <p:extLst>
+      <p:ext uri="{BB962C8B-B14F-4D97-AF65-F5344CB8AC3E}">
+        <p14:creationId xmlns:p14="http://schemas.microsoft.com/office/powerpoint/2010/main" val="2194193098"/>
+      </p:ext>
+    </p:extLst>
+  </p:cSld>
+  <p:clrMapOvr>
+    <a:masterClrMapping/>
+  </p:clrMapOvr>
+</p:sld>
+</file>
+
+<file path=ppt/slides/slide12.xml><?xml version="1.0" encoding="utf-8"?>
+<p:sld xmlns:a="http://schemas.openxmlformats.org/drawingml/2006/main" xmlns:r="http://schemas.openxmlformats.org/officeDocument/2006/relationships" xmlns:p="http://schemas.openxmlformats.org/presentationml/2006/main">
+  <p:cSld>
+    <p:spTree>
+      <p:nvGrpSpPr>
         <p:cNvPr id="1" name=""/>
         <p:cNvGrpSpPr/>
         <p:nvPr/>
@@ -11135,7 +11919,7 @@
 </p:sld>
 </file>
 
-<file path=ppt/slides/slide11.xml><?xml version="1.0" encoding="utf-8"?>
+<file path=ppt/slides/slide13.xml><?xml version="1.0" encoding="utf-8"?>
 <p:sld xmlns:a="http://schemas.openxmlformats.org/drawingml/2006/main" xmlns:r="http://schemas.openxmlformats.org/officeDocument/2006/relationships" xmlns:p="http://schemas.openxmlformats.org/presentationml/2006/main">
   <p:cSld>
     <p:spTree>
@@ -11280,13 +12064,8 @@
           <a:p>
             <a:r>
               <a:rPr lang="fr-FR" dirty="0"/>
-              <a:t>Secteur d’activité : activités </a:t>
-            </a:r>
-            <a:r>
-              <a:rPr lang="fr-FR" dirty="0" err="1"/>
-              <a:t>hosptialières</a:t>
-            </a:r>
-            <a:endParaRPr lang="fr-FR" dirty="0"/>
+              <a:t>Secteur d’activité : activités hospitalières</a:t>
+            </a:r>
           </a:p>
         </p:txBody>
       </p:sp>
@@ -11303,7 +12082,7 @@
 </p:sld>
 </file>
 
-<file path=ppt/slides/slide12.xml><?xml version="1.0" encoding="utf-8"?>
+<file path=ppt/slides/slide14.xml><?xml version="1.0" encoding="utf-8"?>
 <p:sld xmlns:a="http://schemas.openxmlformats.org/drawingml/2006/main" xmlns:r="http://schemas.openxmlformats.org/officeDocument/2006/relationships" xmlns:p="http://schemas.openxmlformats.org/presentationml/2006/main">
   <p:cSld>
     <p:spTree>
@@ -11464,7 +12243,163 @@
 </p:sld>
 </file>
 
-<file path=ppt/slides/slide13.xml><?xml version="1.0" encoding="utf-8"?>
+<file path=ppt/slides/slide15.xml><?xml version="1.0" encoding="utf-8"?>
+<p:sld xmlns:a="http://schemas.openxmlformats.org/drawingml/2006/main" xmlns:r="http://schemas.openxmlformats.org/officeDocument/2006/relationships" xmlns:p="http://schemas.openxmlformats.org/presentationml/2006/main">
+  <p:cSld>
+    <p:spTree>
+      <p:nvGrpSpPr>
+        <p:cNvPr id="1" name="">
+          <a:extLst>
+            <a:ext uri="{FF2B5EF4-FFF2-40B4-BE49-F238E27FC236}">
+              <a16:creationId xmlns:a16="http://schemas.microsoft.com/office/drawing/2014/main" id="{113153F0-6922-10C6-419A-EC38E95DED21}"/>
+            </a:ext>
+          </a:extLst>
+        </p:cNvPr>
+        <p:cNvGrpSpPr/>
+        <p:nvPr/>
+      </p:nvGrpSpPr>
+      <p:grpSpPr>
+        <a:xfrm>
+          <a:off x="0" y="0"/>
+          <a:ext cx="0" cy="0"/>
+          <a:chOff x="0" y="0"/>
+          <a:chExt cx="0" cy="0"/>
+        </a:xfrm>
+      </p:grpSpPr>
+      <p:sp>
+        <p:nvSpPr>
+          <p:cNvPr id="2" name="Titre 1">
+            <a:extLst>
+              <a:ext uri="{FF2B5EF4-FFF2-40B4-BE49-F238E27FC236}">
+                <a16:creationId xmlns:a16="http://schemas.microsoft.com/office/drawing/2014/main" id="{6FCCE4DA-F015-5BCF-8EDC-74BED3C9E835}"/>
+              </a:ext>
+            </a:extLst>
+          </p:cNvPr>
+          <p:cNvSpPr>
+            <a:spLocks noGrp="1"/>
+          </p:cNvSpPr>
+          <p:nvPr>
+            <p:ph type="title"/>
+          </p:nvPr>
+        </p:nvSpPr>
+        <p:spPr>
+          <a:xfrm>
+            <a:off x="575310" y="278129"/>
+            <a:ext cx="3329940" cy="2354026"/>
+          </a:xfrm>
+        </p:spPr>
+        <p:txBody>
+          <a:bodyPr rtlCol="0" anchor="b">
+            <a:normAutofit/>
+          </a:bodyPr>
+          <a:lstStyle>
+            <a:defPPr>
+              <a:defRPr lang="fr-FR"/>
+            </a:defPPr>
+          </a:lstStyle>
+          <a:p>
+            <a:pPr rtl="0"/>
+            <a:r>
+              <a:rPr lang="fr-FR" dirty="0"/>
+              <a:t>Qu’est-ce que c’est, Sillage ? </a:t>
+            </a:r>
+          </a:p>
+        </p:txBody>
+      </p:sp>
+      <p:sp>
+        <p:nvSpPr>
+          <p:cNvPr id="6" name="Espace réservé du contenu 5">
+            <a:extLst>
+              <a:ext uri="{FF2B5EF4-FFF2-40B4-BE49-F238E27FC236}">
+                <a16:creationId xmlns:a16="http://schemas.microsoft.com/office/drawing/2014/main" id="{72BE0A03-AB8C-0174-8598-4191C22DAF1A}"/>
+              </a:ext>
+            </a:extLst>
+          </p:cNvPr>
+          <p:cNvSpPr>
+            <a:spLocks noGrp="1"/>
+          </p:cNvSpPr>
+          <p:nvPr>
+            <p:ph sz="quarter" idx="16"/>
+          </p:nvPr>
+        </p:nvSpPr>
+        <p:spPr>
+          <a:xfrm>
+            <a:off x="594360" y="3279579"/>
+            <a:ext cx="3225165" cy="2994415"/>
+          </a:xfrm>
+        </p:spPr>
+        <p:txBody>
+          <a:bodyPr>
+            <a:normAutofit/>
+          </a:bodyPr>
+          <a:lstStyle/>
+          <a:p>
+            <a:r>
+              <a:rPr lang="fr-FR" dirty="0"/>
+              <a:t>Sillage est une application en client lourd centralisant le dossier des patients ainsi que ses rendez-vous.</a:t>
+            </a:r>
+          </a:p>
+          <a:p>
+            <a:endParaRPr lang="fr-FR" dirty="0"/>
+          </a:p>
+          <a:p>
+            <a:r>
+              <a:rPr lang="fr-FR" dirty="0"/>
+              <a:t>Développé par le SIB – Editeurs de logiciels</a:t>
+            </a:r>
+          </a:p>
+        </p:txBody>
+      </p:sp>
+      <p:pic>
+        <p:nvPicPr>
+          <p:cNvPr id="12" name="Image 11" descr="Une image contenant texte, capture d’écran, logiciel, Logiciel multimédia&#10;&#10;Le contenu généré par l’IA peut être incorrect.">
+            <a:extLst>
+              <a:ext uri="{FF2B5EF4-FFF2-40B4-BE49-F238E27FC236}">
+                <a16:creationId xmlns:a16="http://schemas.microsoft.com/office/drawing/2014/main" id="{E988749C-F133-6286-C1B9-A3967ACE93E5}"/>
+              </a:ext>
+            </a:extLst>
+          </p:cNvPr>
+          <p:cNvPicPr>
+            <a:picLocks noChangeAspect="1"/>
+          </p:cNvPicPr>
+          <p:nvPr/>
+        </p:nvPicPr>
+        <p:blipFill>
+          <a:blip r:embed="rId3">
+            <a:extLst>
+              <a:ext uri="{28A0092B-C50C-407E-A947-70E740481C1C}">
+                <a14:useLocalDpi xmlns:a14="http://schemas.microsoft.com/office/drawing/2010/main" val="0"/>
+              </a:ext>
+            </a:extLst>
+          </a:blip>
+          <a:stretch>
+            <a:fillRect/>
+          </a:stretch>
+        </p:blipFill>
+        <p:spPr>
+          <a:xfrm>
+            <a:off x="3905250" y="1151448"/>
+            <a:ext cx="7765506" cy="4741546"/>
+          </a:xfrm>
+          <a:prstGeom prst="rect">
+            <a:avLst/>
+          </a:prstGeom>
+        </p:spPr>
+      </p:pic>
+    </p:spTree>
+    <p:extLst>
+      <p:ext uri="{BB962C8B-B14F-4D97-AF65-F5344CB8AC3E}">
+        <p14:creationId xmlns:p14="http://schemas.microsoft.com/office/powerpoint/2010/main" val="3938617924"/>
+      </p:ext>
+    </p:extLst>
+  </p:cSld>
+  <p:clrMapOvr>
+    <a:masterClrMapping/>
+  </p:clrMapOvr>
+</p:sld>
+</file>
+
+<file path=ppt/slides/slide16.xml><?xml version="1.0" encoding="utf-8"?>
 <p:sld xmlns:a="http://schemas.openxmlformats.org/drawingml/2006/main" xmlns:r="http://schemas.openxmlformats.org/officeDocument/2006/relationships" xmlns:p="http://schemas.openxmlformats.org/presentationml/2006/main">
   <p:cSld>
     <p:spTree>
@@ -11584,7 +12519,202 @@
 </p:sld>
 </file>
 
-<file path=ppt/slides/slide14.xml><?xml version="1.0" encoding="utf-8"?>
+<file path=ppt/slides/slide17.xml><?xml version="1.0" encoding="utf-8"?>
+<p:sld xmlns:a="http://schemas.openxmlformats.org/drawingml/2006/main" xmlns:r="http://schemas.openxmlformats.org/officeDocument/2006/relationships" xmlns:p="http://schemas.openxmlformats.org/presentationml/2006/main">
+  <p:cSld>
+    <p:spTree>
+      <p:nvGrpSpPr>
+        <p:cNvPr id="1" name="">
+          <a:extLst>
+            <a:ext uri="{FF2B5EF4-FFF2-40B4-BE49-F238E27FC236}">
+              <a16:creationId xmlns:a16="http://schemas.microsoft.com/office/drawing/2014/main" id="{A9B4ED32-6A5B-7E94-AC27-43F7CE580F7B}"/>
+            </a:ext>
+          </a:extLst>
+        </p:cNvPr>
+        <p:cNvGrpSpPr/>
+        <p:nvPr/>
+      </p:nvGrpSpPr>
+      <p:grpSpPr>
+        <a:xfrm>
+          <a:off x="0" y="0"/>
+          <a:ext cx="0" cy="0"/>
+          <a:chOff x="0" y="0"/>
+          <a:chExt cx="0" cy="0"/>
+        </a:xfrm>
+      </p:grpSpPr>
+      <p:sp>
+        <p:nvSpPr>
+          <p:cNvPr id="2" name="Titre 1">
+            <a:extLst>
+              <a:ext uri="{FF2B5EF4-FFF2-40B4-BE49-F238E27FC236}">
+                <a16:creationId xmlns:a16="http://schemas.microsoft.com/office/drawing/2014/main" id="{D15D9AE4-BA8E-3309-101B-B8166E3971CF}"/>
+              </a:ext>
+            </a:extLst>
+          </p:cNvPr>
+          <p:cNvSpPr>
+            <a:spLocks noGrp="1"/>
+          </p:cNvSpPr>
+          <p:nvPr>
+            <p:ph type="title"/>
+          </p:nvPr>
+        </p:nvSpPr>
+        <p:spPr>
+          <a:xfrm>
+            <a:off x="594360" y="278129"/>
+            <a:ext cx="9778365" cy="1494596"/>
+          </a:xfrm>
+        </p:spPr>
+        <p:txBody>
+          <a:bodyPr rtlCol="0"/>
+          <a:lstStyle>
+            <a:defPPr>
+              <a:defRPr lang="fr-FR"/>
+            </a:defPPr>
+          </a:lstStyle>
+          <a:p>
+            <a:pPr rtl="0"/>
+            <a:r>
+              <a:rPr lang="fr-FR" dirty="0"/>
+              <a:t>Mon projet de programmation au CHU</a:t>
+            </a:r>
+            <a:endParaRPr lang="fr-FR" sz="3600" dirty="0"/>
+          </a:p>
+        </p:txBody>
+      </p:sp>
+      <p:sp>
+        <p:nvSpPr>
+          <p:cNvPr id="4" name="Espace réservé du contenu 3">
+            <a:extLst>
+              <a:ext uri="{FF2B5EF4-FFF2-40B4-BE49-F238E27FC236}">
+                <a16:creationId xmlns:a16="http://schemas.microsoft.com/office/drawing/2014/main" id="{804D4B8E-2CCA-8F42-8560-65352DA8FD94}"/>
+              </a:ext>
+            </a:extLst>
+          </p:cNvPr>
+          <p:cNvSpPr>
+            <a:spLocks noGrp="1"/>
+          </p:cNvSpPr>
+          <p:nvPr>
+            <p:ph sz="quarter" idx="16"/>
+          </p:nvPr>
+        </p:nvSpPr>
+        <p:spPr>
+          <a:xfrm>
+            <a:off x="7148723" y="2552700"/>
+            <a:ext cx="4490827" cy="3597470"/>
+          </a:xfrm>
+        </p:spPr>
+        <p:txBody>
+          <a:bodyPr/>
+          <a:lstStyle/>
+          <a:p>
+            <a:pPr algn="ctr"/>
+            <a:r>
+              <a:rPr lang="fr-FR" b="1" dirty="0"/>
+              <a:t>Planiftâches</a:t>
+            </a:r>
+            <a:r>
+              <a:rPr lang="fr-FR" dirty="0"/>
+              <a:t> </a:t>
+            </a:r>
+          </a:p>
+          <a:p>
+            <a:pPr algn="ctr"/>
+            <a:r>
+              <a:rPr lang="fr-FR" dirty="0"/>
+              <a:t> Application servant au prévisionnel d’activité et des charges à destination de l’équipe</a:t>
+            </a:r>
+          </a:p>
+          <a:p>
+            <a:endParaRPr lang="fr-FR" dirty="0"/>
+          </a:p>
+        </p:txBody>
+      </p:sp>
+      <p:pic>
+        <p:nvPicPr>
+          <p:cNvPr id="7" name="Image 6" descr="Une image contenant texte, capture d’écran, logiciel, Icône d’ordinateur&#10;&#10;Le contenu généré par l’IA peut être incorrect.">
+            <a:extLst>
+              <a:ext uri="{FF2B5EF4-FFF2-40B4-BE49-F238E27FC236}">
+                <a16:creationId xmlns:a16="http://schemas.microsoft.com/office/drawing/2014/main" id="{91370D68-BBA9-A1C1-CB62-7204EB1AB030}"/>
+              </a:ext>
+            </a:extLst>
+          </p:cNvPr>
+          <p:cNvPicPr>
+            <a:picLocks noChangeAspect="1"/>
+          </p:cNvPicPr>
+          <p:nvPr/>
+        </p:nvPicPr>
+        <p:blipFill>
+          <a:blip r:embed="rId3">
+            <a:extLst>
+              <a:ext uri="{28A0092B-C50C-407E-A947-70E740481C1C}">
+                <a14:useLocalDpi xmlns:a14="http://schemas.microsoft.com/office/drawing/2010/main" val="0"/>
+              </a:ext>
+            </a:extLst>
+          </a:blip>
+          <a:stretch>
+            <a:fillRect/>
+          </a:stretch>
+        </p:blipFill>
+        <p:spPr>
+          <a:xfrm>
+            <a:off x="670560" y="2300653"/>
+            <a:ext cx="6096000" cy="2993342"/>
+          </a:xfrm>
+          <a:prstGeom prst="rect">
+            <a:avLst/>
+          </a:prstGeom>
+        </p:spPr>
+      </p:pic>
+      <p:pic>
+        <p:nvPicPr>
+          <p:cNvPr id="9" name="Image 8" descr="Une image contenant texte, capture d’écran, logo, Police&#10;&#10;Le contenu généré par l’IA peut être incorrect.">
+            <a:extLst>
+              <a:ext uri="{FF2B5EF4-FFF2-40B4-BE49-F238E27FC236}">
+                <a16:creationId xmlns:a16="http://schemas.microsoft.com/office/drawing/2014/main" id="{F7FFA13F-9DF1-D090-98C7-3924B2308F35}"/>
+              </a:ext>
+            </a:extLst>
+          </p:cNvPr>
+          <p:cNvPicPr>
+            <a:picLocks noChangeAspect="1"/>
+          </p:cNvPicPr>
+          <p:nvPr/>
+        </p:nvPicPr>
+        <p:blipFill>
+          <a:blip r:embed="rId4">
+            <a:extLst>
+              <a:ext uri="{28A0092B-C50C-407E-A947-70E740481C1C}">
+                <a14:useLocalDpi xmlns:a14="http://schemas.microsoft.com/office/drawing/2010/main" val="0"/>
+              </a:ext>
+            </a:extLst>
+          </a:blip>
+          <a:stretch>
+            <a:fillRect/>
+          </a:stretch>
+        </p:blipFill>
+        <p:spPr>
+          <a:xfrm>
+            <a:off x="7148723" y="4112895"/>
+            <a:ext cx="4671682" cy="2571751"/>
+          </a:xfrm>
+          <a:prstGeom prst="rect">
+            <a:avLst/>
+          </a:prstGeom>
+        </p:spPr>
+      </p:pic>
+    </p:spTree>
+    <p:extLst>
+      <p:ext uri="{BB962C8B-B14F-4D97-AF65-F5344CB8AC3E}">
+        <p14:creationId xmlns:p14="http://schemas.microsoft.com/office/powerpoint/2010/main" val="3352981409"/>
+      </p:ext>
+    </p:extLst>
+  </p:cSld>
+  <p:clrMapOvr>
+    <a:masterClrMapping/>
+  </p:clrMapOvr>
+</p:sld>
+</file>
+
+<file path=ppt/slides/slide18.xml><?xml version="1.0" encoding="utf-8"?>
 <p:sld xmlns:a="http://schemas.openxmlformats.org/drawingml/2006/main" xmlns:r="http://schemas.openxmlformats.org/officeDocument/2006/relationships" xmlns:p="http://schemas.openxmlformats.org/presentationml/2006/main">
   <p:cSld>
     <p:spTree>
@@ -11956,7 +13086,7 @@
 </p:sld>
 </file>
 
-<file path=ppt/slides/slide15.xml><?xml version="1.0" encoding="utf-8"?>
+<file path=ppt/slides/slide19.xml><?xml version="1.0" encoding="utf-8"?>
 <p:sld xmlns:a="http://schemas.openxmlformats.org/drawingml/2006/main" xmlns:r="http://schemas.openxmlformats.org/officeDocument/2006/relationships" xmlns:p="http://schemas.openxmlformats.org/presentationml/2006/main">
   <p:cSld>
     <p:spTree>
@@ -13677,15 +14807,7 @@
             </a:pPr>
             <a:r>
               <a:rPr lang="fr-FR" b="1" dirty="0"/>
-              <a:t>Plusieurs projets stimulants (</a:t>
-            </a:r>
-            <a:r>
-              <a:rPr lang="fr-FR" b="1" dirty="0" err="1"/>
-              <a:t>MarieTeam</a:t>
-            </a:r>
-            <a:r>
-              <a:rPr lang="fr-FR" b="1" dirty="0"/>
-              <a:t>, atelier de </a:t>
+              <a:t>Plusieurs projets stimulants (MarieTeam, atelier de </a:t>
             </a:r>
             <a:r>
               <a:rPr lang="fr-FR" b="1" dirty="0" err="1"/>
